--- a/XcosStructure/Lib/images/blocks/VALVE_A.pptx
+++ b/XcosStructure/Lib/images/blocks/VALVE_A.pptx
@@ -243,7 +243,7 @@
           <a:p>
             <a:fld id="{B10B2E83-E2FA-4848-B70D-079963B7CD73}" type="datetimeFigureOut">
               <a:rPr lang="en-US" smtClean="0"/>
-              <a:t>1/3/2019</a:t>
+              <a:t>1/13/2019</a:t>
             </a:fld>
             <a:endParaRPr lang="en-US"/>
           </a:p>
@@ -413,7 +413,7 @@
           <a:p>
             <a:fld id="{B10B2E83-E2FA-4848-B70D-079963B7CD73}" type="datetimeFigureOut">
               <a:rPr lang="en-US" smtClean="0"/>
-              <a:t>1/3/2019</a:t>
+              <a:t>1/13/2019</a:t>
             </a:fld>
             <a:endParaRPr lang="en-US"/>
           </a:p>
@@ -593,7 +593,7 @@
           <a:p>
             <a:fld id="{B10B2E83-E2FA-4848-B70D-079963B7CD73}" type="datetimeFigureOut">
               <a:rPr lang="en-US" smtClean="0"/>
-              <a:t>1/3/2019</a:t>
+              <a:t>1/13/2019</a:t>
             </a:fld>
             <a:endParaRPr lang="en-US"/>
           </a:p>
@@ -763,7 +763,7 @@
           <a:p>
             <a:fld id="{B10B2E83-E2FA-4848-B70D-079963B7CD73}" type="datetimeFigureOut">
               <a:rPr lang="en-US" smtClean="0"/>
-              <a:t>1/3/2019</a:t>
+              <a:t>1/13/2019</a:t>
             </a:fld>
             <a:endParaRPr lang="en-US"/>
           </a:p>
@@ -1009,7 +1009,7 @@
           <a:p>
             <a:fld id="{B10B2E83-E2FA-4848-B70D-079963B7CD73}" type="datetimeFigureOut">
               <a:rPr lang="en-US" smtClean="0"/>
-              <a:t>1/3/2019</a:t>
+              <a:t>1/13/2019</a:t>
             </a:fld>
             <a:endParaRPr lang="en-US"/>
           </a:p>
@@ -1241,7 +1241,7 @@
           <a:p>
             <a:fld id="{B10B2E83-E2FA-4848-B70D-079963B7CD73}" type="datetimeFigureOut">
               <a:rPr lang="en-US" smtClean="0"/>
-              <a:t>1/3/2019</a:t>
+              <a:t>1/13/2019</a:t>
             </a:fld>
             <a:endParaRPr lang="en-US"/>
           </a:p>
@@ -1608,7 +1608,7 @@
           <a:p>
             <a:fld id="{B10B2E83-E2FA-4848-B70D-079963B7CD73}" type="datetimeFigureOut">
               <a:rPr lang="en-US" smtClean="0"/>
-              <a:t>1/3/2019</a:t>
+              <a:t>1/13/2019</a:t>
             </a:fld>
             <a:endParaRPr lang="en-US"/>
           </a:p>
@@ -1726,7 +1726,7 @@
           <a:p>
             <a:fld id="{B10B2E83-E2FA-4848-B70D-079963B7CD73}" type="datetimeFigureOut">
               <a:rPr lang="en-US" smtClean="0"/>
-              <a:t>1/3/2019</a:t>
+              <a:t>1/13/2019</a:t>
             </a:fld>
             <a:endParaRPr lang="en-US"/>
           </a:p>
@@ -1821,7 +1821,7 @@
           <a:p>
             <a:fld id="{B10B2E83-E2FA-4848-B70D-079963B7CD73}" type="datetimeFigureOut">
               <a:rPr lang="en-US" smtClean="0"/>
-              <a:t>1/3/2019</a:t>
+              <a:t>1/13/2019</a:t>
             </a:fld>
             <a:endParaRPr lang="en-US"/>
           </a:p>
@@ -2098,7 +2098,7 @@
           <a:p>
             <a:fld id="{B10B2E83-E2FA-4848-B70D-079963B7CD73}" type="datetimeFigureOut">
               <a:rPr lang="en-US" smtClean="0"/>
-              <a:t>1/3/2019</a:t>
+              <a:t>1/13/2019</a:t>
             </a:fld>
             <a:endParaRPr lang="en-US"/>
           </a:p>
@@ -2351,7 +2351,7 @@
           <a:p>
             <a:fld id="{B10B2E83-E2FA-4848-B70D-079963B7CD73}" type="datetimeFigureOut">
               <a:rPr lang="en-US" smtClean="0"/>
-              <a:t>1/3/2019</a:t>
+              <a:t>1/13/2019</a:t>
             </a:fld>
             <a:endParaRPr lang="en-US"/>
           </a:p>
@@ -2564,7 +2564,7 @@
           <a:p>
             <a:fld id="{B10B2E83-E2FA-4848-B70D-079963B7CD73}" type="datetimeFigureOut">
               <a:rPr lang="en-US" smtClean="0"/>
-              <a:t>1/3/2019</a:t>
+              <a:t>1/13/2019</a:t>
             </a:fld>
             <a:endParaRPr lang="en-US"/>
           </a:p>
@@ -2971,35 +2971,6 @@
       </p:grpSpPr>
       <p:sp>
         <p:nvSpPr>
-          <p:cNvPr id="4" name="TextBox 3"/>
-          <p:cNvSpPr txBox="1"/>
-          <p:nvPr/>
-        </p:nvSpPr>
-        <p:spPr>
-          <a:xfrm>
-            <a:off x="-624" y="518695"/>
-            <a:ext cx="3127513" cy="2123658"/>
-          </a:xfrm>
-          <a:prstGeom prst="rect">
-            <a:avLst/>
-          </a:prstGeom>
-          <a:noFill/>
-        </p:spPr>
-        <p:txBody>
-          <a:bodyPr wrap="square" rtlCol="0">
-            <a:spAutoFit/>
-          </a:bodyPr>
-          <a:lstStyle/>
-          <a:p>
-            <a:endParaRPr lang="en-US" sz="6600" dirty="0" smtClean="0"/>
-          </a:p>
-          <a:p>
-            <a:endParaRPr lang="en-US" sz="6600" dirty="0" smtClean="0"/>
-          </a:p>
-        </p:txBody>
-      </p:sp>
-      <p:sp>
-        <p:nvSpPr>
           <p:cNvPr id="5" name="TextBox 4"/>
           <p:cNvSpPr txBox="1"/>
           <p:nvPr/>
@@ -3048,10 +3019,7 @@
             <a:avLst/>
           </a:prstGeom>
           <a:solidFill>
-            <a:schemeClr val="accent1">
-              <a:lumMod val="60000"/>
-              <a:lumOff val="40000"/>
-            </a:schemeClr>
+            <a:schemeClr val="accent1"/>
           </a:solidFill>
         </p:spPr>
         <p:style>
@@ -3083,40 +3051,6 @@
           </a:p>
         </p:txBody>
       </p:sp>
-      <p:cxnSp>
-        <p:nvCxnSpPr>
-          <p:cNvPr id="8" name="Straight Arrow Connector 7"/>
-          <p:cNvCxnSpPr/>
-          <p:nvPr/>
-        </p:nvCxnSpPr>
-        <p:spPr>
-          <a:xfrm>
-            <a:off x="483078" y="2442753"/>
-            <a:ext cx="1987826" cy="13252"/>
-          </a:xfrm>
-          <a:prstGeom prst="straightConnector1">
-            <a:avLst/>
-          </a:prstGeom>
-          <a:ln w="76200">
-            <a:headEnd type="none" w="med" len="med"/>
-            <a:tailEnd type="triangle" w="med" len="med"/>
-          </a:ln>
-        </p:spPr>
-        <p:style>
-          <a:lnRef idx="1">
-            <a:schemeClr val="accent1"/>
-          </a:lnRef>
-          <a:fillRef idx="0">
-            <a:schemeClr val="accent1"/>
-          </a:fillRef>
-          <a:effectRef idx="0">
-            <a:schemeClr val="accent1"/>
-          </a:effectRef>
-          <a:fontRef idx="minor">
-            <a:schemeClr val="tx1"/>
-          </a:fontRef>
-        </p:style>
-      </p:cxnSp>
       <p:grpSp>
         <p:nvGrpSpPr>
           <p:cNvPr id="48" name="Group 47"/>
@@ -3659,108 +3593,156 @@
           </p:style>
         </p:cxnSp>
       </p:grpSp>
-      <p:cxnSp>
-        <p:nvCxnSpPr>
-          <p:cNvPr id="40" name="Straight Arrow Connector 39"/>
-          <p:cNvCxnSpPr/>
+      <p:sp>
+        <p:nvSpPr>
+          <p:cNvPr id="2" name="TextBox 1"/>
+          <p:cNvSpPr txBox="1"/>
           <p:nvPr/>
-        </p:nvCxnSpPr>
+        </p:nvSpPr>
         <p:spPr>
           <a:xfrm>
-            <a:off x="9336458" y="1276562"/>
-            <a:ext cx="947527" cy="26504"/>
+            <a:off x="490330" y="-39758"/>
+            <a:ext cx="1395960" cy="6555641"/>
           </a:xfrm>
-          <a:prstGeom prst="straightConnector1">
+          <a:prstGeom prst="rect">
             <a:avLst/>
           </a:prstGeom>
-          <a:ln w="76200">
-            <a:headEnd type="none" w="med" len="med"/>
-            <a:tailEnd type="triangle" w="med" len="med"/>
-          </a:ln>
+          <a:noFill/>
         </p:spPr>
-        <p:style>
-          <a:lnRef idx="1">
-            <a:schemeClr val="accent1"/>
-          </a:lnRef>
-          <a:fillRef idx="0">
-            <a:schemeClr val="accent1"/>
-          </a:fillRef>
-          <a:effectRef idx="0">
-            <a:schemeClr val="accent1"/>
-          </a:effectRef>
-          <a:fontRef idx="minor">
-            <a:schemeClr val="tx1"/>
-          </a:fontRef>
-        </p:style>
-      </p:cxnSp>
-      <p:cxnSp>
-        <p:nvCxnSpPr>
-          <p:cNvPr id="46" name="Straight Arrow Connector 45"/>
-          <p:cNvCxnSpPr/>
+        <p:txBody>
+          <a:bodyPr wrap="none" rtlCol="0">
+            <a:spAutoFit/>
+          </a:bodyPr>
+          <a:lstStyle/>
+          <a:p>
+            <a:r>
+              <a:rPr lang="en-US" sz="6000" dirty="0" smtClean="0"/>
+              <a:t>PS</a:t>
+            </a:r>
+          </a:p>
+          <a:p>
+            <a:r>
+              <a:rPr lang="en-US" sz="6000" dirty="0" smtClean="0"/>
+              <a:t>PD</a:t>
+            </a:r>
+          </a:p>
+          <a:p>
+            <a:r>
+              <a:rPr lang="en-US" sz="6000" dirty="0" smtClean="0"/>
+              <a:t>PH</a:t>
+            </a:r>
+          </a:p>
+          <a:p>
+            <a:r>
+              <a:rPr lang="en-US" sz="6000" dirty="0" smtClean="0"/>
+              <a:t>PRS</a:t>
+            </a:r>
+          </a:p>
+          <a:p>
+            <a:r>
+              <a:rPr lang="en-US" sz="6000" dirty="0" smtClean="0"/>
+              <a:t>PR</a:t>
+            </a:r>
+          </a:p>
+          <a:p>
+            <a:r>
+              <a:rPr lang="en-US" sz="6000" dirty="0" smtClean="0"/>
+              <a:t>PXR</a:t>
+            </a:r>
+          </a:p>
+          <a:p>
+            <a:r>
+              <a:rPr lang="en-US" sz="6000" dirty="0" smtClean="0"/>
+              <a:t>XOL</a:t>
+            </a:r>
+            <a:endParaRPr lang="en-US" sz="6000" dirty="0"/>
+          </a:p>
+        </p:txBody>
+      </p:sp>
+      <p:sp>
+        <p:nvSpPr>
+          <p:cNvPr id="41" name="TextBox 40"/>
+          <p:cNvSpPr txBox="1"/>
           <p:nvPr/>
-        </p:nvCxnSpPr>
+        </p:nvSpPr>
         <p:spPr>
           <a:xfrm>
-            <a:off x="9231312" y="2958004"/>
-            <a:ext cx="2351642" cy="9962"/>
+            <a:off x="9756081" y="-39758"/>
+            <a:ext cx="2002471" cy="6863417"/>
           </a:xfrm>
-          <a:prstGeom prst="straightConnector1">
+          <a:prstGeom prst="rect">
             <a:avLst/>
           </a:prstGeom>
-          <a:ln w="76200">
-            <a:headEnd type="none" w="med" len="med"/>
-            <a:tailEnd type="triangle" w="med" len="med"/>
-          </a:ln>
+          <a:noFill/>
         </p:spPr>
-        <p:style>
-          <a:lnRef idx="1">
-            <a:schemeClr val="accent1"/>
-          </a:lnRef>
-          <a:fillRef idx="0">
-            <a:schemeClr val="accent1"/>
-          </a:fillRef>
-          <a:effectRef idx="0">
-            <a:schemeClr val="accent1"/>
-          </a:effectRef>
-          <a:fontRef idx="minor">
-            <a:schemeClr val="tx1"/>
-          </a:fontRef>
-        </p:style>
-      </p:cxnSp>
-      <p:cxnSp>
-        <p:nvCxnSpPr>
-          <p:cNvPr id="38" name="Straight Arrow Connector 37"/>
-          <p:cNvCxnSpPr/>
-          <p:nvPr/>
-        </p:nvCxnSpPr>
-        <p:spPr>
-          <a:xfrm>
-            <a:off x="9421982" y="4675745"/>
-            <a:ext cx="947527" cy="26504"/>
-          </a:xfrm>
-          <a:prstGeom prst="straightConnector1">
-            <a:avLst/>
-          </a:prstGeom>
-          <a:ln w="76200">
-            <a:headEnd type="none" w="med" len="med"/>
-            <a:tailEnd type="triangle" w="med" len="med"/>
-          </a:ln>
-        </p:spPr>
-        <p:style>
-          <a:lnRef idx="1">
-            <a:schemeClr val="accent1"/>
-          </a:lnRef>
-          <a:fillRef idx="0">
-            <a:schemeClr val="accent1"/>
-          </a:fillRef>
-          <a:effectRef idx="0">
-            <a:schemeClr val="accent1"/>
-          </a:effectRef>
-          <a:fontRef idx="minor">
-            <a:schemeClr val="tx1"/>
-          </a:fontRef>
-        </p:style>
-      </p:cxnSp>
+        <p:txBody>
+          <a:bodyPr wrap="none" rtlCol="0">
+            <a:spAutoFit/>
+          </a:bodyPr>
+          <a:lstStyle/>
+          <a:p>
+            <a:r>
+              <a:rPr lang="en-US" sz="4400" dirty="0" smtClean="0"/>
+              <a:t>WFS</a:t>
+            </a:r>
+          </a:p>
+          <a:p>
+            <a:r>
+              <a:rPr lang="en-US" sz="4400" dirty="0" smtClean="0"/>
+              <a:t>WFD</a:t>
+            </a:r>
+          </a:p>
+          <a:p>
+            <a:r>
+              <a:rPr lang="en-US" sz="4400" dirty="0" smtClean="0"/>
+              <a:t>WFH</a:t>
+            </a:r>
+          </a:p>
+          <a:p>
+            <a:r>
+              <a:rPr lang="en-US" sz="4400" dirty="0" smtClean="0"/>
+              <a:t>WFVRS</a:t>
+            </a:r>
+          </a:p>
+          <a:p>
+            <a:r>
+              <a:rPr lang="en-US" sz="4400" dirty="0" smtClean="0"/>
+              <a:t>WFVR</a:t>
+            </a:r>
+          </a:p>
+          <a:p>
+            <a:r>
+              <a:rPr lang="en-US" sz="4400" dirty="0" smtClean="0"/>
+              <a:t>WFVX</a:t>
+            </a:r>
+          </a:p>
+          <a:p>
+            <a:r>
+              <a:rPr lang="en-US" sz="4400" dirty="0" smtClean="0"/>
+              <a:t>V</a:t>
+            </a:r>
+          </a:p>
+          <a:p>
+            <a:r>
+              <a:rPr lang="en-US" sz="4400" dirty="0" smtClean="0"/>
+              <a:t>X</a:t>
+            </a:r>
+          </a:p>
+          <a:p>
+            <a:r>
+              <a:rPr lang="en-US" sz="4400" dirty="0" smtClean="0"/>
+              <a:t>UF_NET</a:t>
+            </a:r>
+          </a:p>
+          <a:p>
+            <a:r>
+              <a:rPr lang="en-US" sz="4400" dirty="0" smtClean="0"/>
+              <a:t>MODE</a:t>
+            </a:r>
+            <a:endParaRPr lang="en-US" sz="4400" dirty="0"/>
+          </a:p>
+        </p:txBody>
+      </p:sp>
     </p:spTree>
     <p:extLst>
       <p:ext uri="{BB962C8B-B14F-4D97-AF65-F5344CB8AC3E}">
